--- a/兩分鐘閃電講.pptx
+++ b/兩分鐘閃電講.pptx
@@ -14,16 +14,16 @@
   <p:notesSz cx="6858000" cy="9144000"/>
   <p:embeddedFontLst>
     <p:embeddedFont>
-      <p:font typeface="PT Sans Narrow" panose="02020500000000000000" charset="0"/>
+      <p:font typeface="Open Sans" panose="02020500000000000000" charset="0"/>
       <p:regular r:id="rId4"/>
       <p:bold r:id="rId5"/>
+      <p:italic r:id="rId6"/>
+      <p:boldItalic r:id="rId7"/>
     </p:embeddedFont>
     <p:embeddedFont>
-      <p:font typeface="Open Sans" panose="02020500000000000000" charset="0"/>
-      <p:regular r:id="rId6"/>
-      <p:bold r:id="rId7"/>
-      <p:italic r:id="rId8"/>
-      <p:boldItalic r:id="rId9"/>
+      <p:font typeface="PT Sans Narrow" panose="02020500000000000000" charset="0"/>
+      <p:regular r:id="rId8"/>
+      <p:bold r:id="rId9"/>
     </p:embeddedFont>
   </p:embeddedFontLst>
   <p:defaultTextStyle>
@@ -5448,19 +5448,7 @@
           <a:p>
             <a:r>
               <a:rPr lang="zh-TW" altLang="en-US" dirty="0" smtClean="0"/>
-              <a:t>我</a:t>
-            </a:r>
-            <a:r>
-              <a:rPr lang="zh-TW" altLang="en-US" smtClean="0"/>
-              <a:t>是</a:t>
-            </a:r>
-            <a:r>
-              <a:rPr lang="zh-TW" altLang="en-US" smtClean="0"/>
-              <a:t>如何在三個</a:t>
-            </a:r>
-            <a:r>
-              <a:rPr lang="zh-TW" altLang="en-US" dirty="0" smtClean="0"/>
-              <a:t>月從</a:t>
+              <a:t>我是如何在三個月從</a:t>
             </a:r>
             <a:r>
               <a:rPr lang="en-US" altLang="zh-TW" dirty="0" smtClean="0"/>
@@ -5488,7 +5476,23 @@
             </a:r>
             <a:r>
               <a:rPr lang="zh-TW" altLang="en-US" dirty="0" smtClean="0"/>
-              <a:t>會取代人類</a:t>
+              <a:t>會取代</a:t>
+            </a:r>
+            <a:r>
+              <a:rPr lang="zh-TW" altLang="en-US" dirty="0" smtClean="0"/>
+              <a:t>人類</a:t>
+            </a:r>
+            <a:r>
+              <a:rPr lang="en-US" altLang="zh-TW" dirty="0" smtClean="0"/>
+              <a:t>(</a:t>
+            </a:r>
+            <a:r>
+              <a:rPr lang="zh-TW" altLang="en-US" dirty="0" smtClean="0"/>
+              <a:t>否定</a:t>
+            </a:r>
+            <a:r>
+              <a:rPr lang="en-US" altLang="zh-TW" dirty="0" smtClean="0"/>
+              <a:t>)</a:t>
             </a:r>
             <a:endParaRPr lang="en-US" altLang="zh-TW" dirty="0" smtClean="0"/>
           </a:p>
@@ -5523,12 +5527,8 @@
               <a:t>AI</a:t>
             </a:r>
             <a:r>
-              <a:rPr lang="zh-TW" altLang="en-US" dirty="0"/>
-              <a:t>是泡沫</a:t>
-            </a:r>
-            <a:r>
               <a:rPr lang="zh-TW" altLang="en-US" dirty="0" smtClean="0"/>
-              <a:t>、</a:t>
+              <a:t>是泡沫、</a:t>
             </a:r>
             <a:r>
               <a:rPr lang="en-US" altLang="zh-TW" dirty="0" smtClean="0"/>
@@ -5536,7 +5536,19 @@
             </a:r>
             <a:r>
               <a:rPr lang="zh-TW" altLang="en-US" dirty="0" smtClean="0"/>
-              <a:t>是黑盒子</a:t>
+              <a:t>是黑盒子 </a:t>
+            </a:r>
+            <a:r>
+              <a:rPr lang="en-US" altLang="zh-TW" dirty="0"/>
+              <a:t>(</a:t>
+            </a:r>
+            <a:r>
+              <a:rPr lang="zh-TW" altLang="en-US" dirty="0"/>
+              <a:t>否定</a:t>
+            </a:r>
+            <a:r>
+              <a:rPr lang="en-US" altLang="zh-TW" smtClean="0"/>
+              <a:t>)</a:t>
             </a:r>
             <a:endParaRPr lang="en-US" altLang="zh-TW" dirty="0" smtClean="0"/>
           </a:p>
